--- a/Final/Final.pptx
+++ b/Final/Final.pptx
@@ -8,6 +8,8 @@
     <p:sldId id="256" r:id="rId2"/>
     <p:sldId id="257" r:id="rId3"/>
     <p:sldId id="258" r:id="rId4"/>
+    <p:sldId id="259" r:id="rId5"/>
+    <p:sldId id="260" r:id="rId6"/>
   </p:sldIdLst>
   <p:sldSz cx="12192000" cy="6858000"/>
   <p:notesSz cx="6858000" cy="9144000"/>
@@ -106,6 +108,11 @@
       </a:defRPr>
     </a:lvl9pPr>
   </p:defaultTextStyle>
+  <p:extLst>
+    <p:ext uri="{EFAFB233-063F-42B5-8137-9DF3F51BA10A}">
+      <p15:sldGuideLst xmlns:p15="http://schemas.microsoft.com/office/powerpoint/2012/main"/>
+    </p:ext>
+  </p:extLst>
 </p:presentation>
 </file>
 
@@ -611,7 +618,7 @@
           <a:p>
             <a:fld id="{8FAA97AD-2A55-4C92-A1B3-F319A676462F}" type="datetimeFigureOut">
               <a:rPr lang="ru-RU" smtClean="0"/>
-              <a:t>23.09.2020</a:t>
+              <a:t>24.09.2020</a:t>
             </a:fld>
             <a:endParaRPr lang="ru-RU"/>
           </a:p>
@@ -907,7 +914,7 @@
           <a:p>
             <a:fld id="{8FAA97AD-2A55-4C92-A1B3-F319A676462F}" type="datetimeFigureOut">
               <a:rPr lang="ru-RU" smtClean="0"/>
-              <a:t>23.09.2020</a:t>
+              <a:t>24.09.2020</a:t>
             </a:fld>
             <a:endParaRPr lang="ru-RU"/>
           </a:p>
@@ -1155,7 +1162,7 @@
           <a:p>
             <a:fld id="{8FAA97AD-2A55-4C92-A1B3-F319A676462F}" type="datetimeFigureOut">
               <a:rPr lang="ru-RU" smtClean="0"/>
-              <a:t>23.09.2020</a:t>
+              <a:t>24.09.2020</a:t>
             </a:fld>
             <a:endParaRPr lang="ru-RU"/>
           </a:p>
@@ -1695,7 +1702,7 @@
           <a:p>
             <a:fld id="{8FAA97AD-2A55-4C92-A1B3-F319A676462F}" type="datetimeFigureOut">
               <a:rPr lang="ru-RU" smtClean="0"/>
-              <a:t>23.09.2020</a:t>
+              <a:t>24.09.2020</a:t>
             </a:fld>
             <a:endParaRPr lang="ru-RU"/>
           </a:p>
@@ -1943,7 +1950,7 @@
           <a:p>
             <a:fld id="{8FAA97AD-2A55-4C92-A1B3-F319A676462F}" type="datetimeFigureOut">
               <a:rPr lang="ru-RU" smtClean="0"/>
-              <a:t>23.09.2020</a:t>
+              <a:t>24.09.2020</a:t>
             </a:fld>
             <a:endParaRPr lang="ru-RU"/>
           </a:p>
@@ -2475,7 +2482,7 @@
           <a:p>
             <a:fld id="{8FAA97AD-2A55-4C92-A1B3-F319A676462F}" type="datetimeFigureOut">
               <a:rPr lang="ru-RU" smtClean="0"/>
-              <a:t>23.09.2020</a:t>
+              <a:t>24.09.2020</a:t>
             </a:fld>
             <a:endParaRPr lang="ru-RU"/>
           </a:p>
@@ -2772,7 +2779,7 @@
           <a:p>
             <a:fld id="{8FAA97AD-2A55-4C92-A1B3-F319A676462F}" type="datetimeFigureOut">
               <a:rPr lang="ru-RU" smtClean="0"/>
-              <a:t>23.09.2020</a:t>
+              <a:t>24.09.2020</a:t>
             </a:fld>
             <a:endParaRPr lang="ru-RU"/>
           </a:p>
@@ -2946,7 +2953,7 @@
           <a:p>
             <a:fld id="{8FAA97AD-2A55-4C92-A1B3-F319A676462F}" type="datetimeFigureOut">
               <a:rPr lang="ru-RU" smtClean="0"/>
-              <a:t>23.09.2020</a:t>
+              <a:t>24.09.2020</a:t>
             </a:fld>
             <a:endParaRPr lang="ru-RU"/>
           </a:p>
@@ -3126,7 +3133,7 @@
           <a:p>
             <a:fld id="{8FAA97AD-2A55-4C92-A1B3-F319A676462F}" type="datetimeFigureOut">
               <a:rPr lang="ru-RU" smtClean="0"/>
-              <a:t>23.09.2020</a:t>
+              <a:t>24.09.2020</a:t>
             </a:fld>
             <a:endParaRPr lang="ru-RU"/>
           </a:p>
@@ -3296,7 +3303,7 @@
           <a:p>
             <a:fld id="{8FAA97AD-2A55-4C92-A1B3-F319A676462F}" type="datetimeFigureOut">
               <a:rPr lang="ru-RU" smtClean="0"/>
-              <a:t>23.09.2020</a:t>
+              <a:t>24.09.2020</a:t>
             </a:fld>
             <a:endParaRPr lang="ru-RU"/>
           </a:p>
@@ -3547,7 +3554,7 @@
           <a:p>
             <a:fld id="{8FAA97AD-2A55-4C92-A1B3-F319A676462F}" type="datetimeFigureOut">
               <a:rPr lang="ru-RU" smtClean="0"/>
-              <a:t>23.09.2020</a:t>
+              <a:t>24.09.2020</a:t>
             </a:fld>
             <a:endParaRPr lang="ru-RU"/>
           </a:p>
@@ -3844,7 +3851,7 @@
           <a:p>
             <a:fld id="{8FAA97AD-2A55-4C92-A1B3-F319A676462F}" type="datetimeFigureOut">
               <a:rPr lang="ru-RU" smtClean="0"/>
-              <a:t>23.09.2020</a:t>
+              <a:t>24.09.2020</a:t>
             </a:fld>
             <a:endParaRPr lang="ru-RU"/>
           </a:p>
@@ -4286,7 +4293,7 @@
           <a:p>
             <a:fld id="{8FAA97AD-2A55-4C92-A1B3-F319A676462F}" type="datetimeFigureOut">
               <a:rPr lang="ru-RU" smtClean="0"/>
-              <a:t>23.09.2020</a:t>
+              <a:t>24.09.2020</a:t>
             </a:fld>
             <a:endParaRPr lang="ru-RU"/>
           </a:p>
@@ -4404,7 +4411,7 @@
           <a:p>
             <a:fld id="{8FAA97AD-2A55-4C92-A1B3-F319A676462F}" type="datetimeFigureOut">
               <a:rPr lang="ru-RU" smtClean="0"/>
-              <a:t>23.09.2020</a:t>
+              <a:t>24.09.2020</a:t>
             </a:fld>
             <a:endParaRPr lang="ru-RU"/>
           </a:p>
@@ -4499,7 +4506,7 @@
           <a:p>
             <a:fld id="{8FAA97AD-2A55-4C92-A1B3-F319A676462F}" type="datetimeFigureOut">
               <a:rPr lang="ru-RU" smtClean="0"/>
-              <a:t>23.09.2020</a:t>
+              <a:t>24.09.2020</a:t>
             </a:fld>
             <a:endParaRPr lang="ru-RU"/>
           </a:p>
@@ -4782,7 +4789,7 @@
           <a:p>
             <a:fld id="{8FAA97AD-2A55-4C92-A1B3-F319A676462F}" type="datetimeFigureOut">
               <a:rPr lang="ru-RU" smtClean="0"/>
-              <a:t>23.09.2020</a:t>
+              <a:t>24.09.2020</a:t>
             </a:fld>
             <a:endParaRPr lang="ru-RU"/>
           </a:p>
@@ -5073,7 +5080,7 @@
           <a:p>
             <a:fld id="{8FAA97AD-2A55-4C92-A1B3-F319A676462F}" type="datetimeFigureOut">
               <a:rPr lang="ru-RU" smtClean="0"/>
-              <a:t>23.09.2020</a:t>
+              <a:t>24.09.2020</a:t>
             </a:fld>
             <a:endParaRPr lang="ru-RU"/>
           </a:p>
@@ -5603,7 +5610,7 @@
           <a:p>
             <a:fld id="{8FAA97AD-2A55-4C92-A1B3-F319A676462F}" type="datetimeFigureOut">
               <a:rPr lang="ru-RU" smtClean="0"/>
-              <a:t>23.09.2020</a:t>
+              <a:t>24.09.2020</a:t>
             </a:fld>
             <a:endParaRPr lang="ru-RU"/>
           </a:p>
@@ -6491,7 +6498,28 @@
                 <a:latin typeface="Helvetica" panose="020B0604020202020204" pitchFamily="34" charset="0"/>
                 <a:cs typeface="Helvetica" panose="020B0604020202020204" pitchFamily="34" charset="0"/>
               </a:rPr>
-              <a:t>Most of initial information will be scraped from Wikipedia - free and open data source. Most detailed information about every location will be obtained using Foursquare API.</a:t>
+              <a:t>Most of initial information was scraped from Wikipedia, OpenStreet</a:t>
+            </a:r>
+            <a:r>
+              <a:rPr lang="en-US" sz="2000" dirty="0">
+                <a:solidFill>
+                  <a:srgbClr val="000000"/>
+                </a:solidFill>
+                <a:latin typeface="Helvetica" panose="020B0604020202020204" pitchFamily="34" charset="0"/>
+                <a:cs typeface="Helvetica" panose="020B0604020202020204" pitchFamily="34" charset="0"/>
+              </a:rPr>
+              <a:t>M</a:t>
+            </a:r>
+            <a:r>
+              <a:rPr lang="en-US" sz="2000" b="0" i="0" dirty="0">
+                <a:solidFill>
+                  <a:srgbClr val="000000"/>
+                </a:solidFill>
+                <a:effectLst/>
+                <a:latin typeface="Helvetica" panose="020B0604020202020204" pitchFamily="34" charset="0"/>
+                <a:cs typeface="Helvetica" panose="020B0604020202020204" pitchFamily="34" charset="0"/>
+              </a:rPr>
+              <a:t>ap. Most detailed information about every location was obtained with Foursquare API. Data was cleaned and processed locally.</a:t>
             </a:r>
             <a:endParaRPr lang="ru-RU" sz="2000" dirty="0">
               <a:latin typeface="Helvetica" panose="020B0604020202020204" pitchFamily="34" charset="0"/>
@@ -6504,6 +6532,1216 @@
     <p:extLst>
       <p:ext uri="{BB962C8B-B14F-4D97-AF65-F5344CB8AC3E}">
         <p14:creationId xmlns:p14="http://schemas.microsoft.com/office/powerpoint/2010/main" val="102645540"/>
+      </p:ext>
+    </p:extLst>
+  </p:cSld>
+  <p:clrMapOvr>
+    <a:masterClrMapping/>
+  </p:clrMapOvr>
+</p:sld>
+</file>
+
+<file path=ppt/slides/slide4.xml><?xml version="1.0" encoding="utf-8"?>
+<p:sld xmlns:a="http://schemas.openxmlformats.org/drawingml/2006/main" xmlns:r="http://schemas.openxmlformats.org/officeDocument/2006/relationships" xmlns:p="http://schemas.openxmlformats.org/presentationml/2006/main">
+  <p:cSld>
+    <p:spTree>
+      <p:nvGrpSpPr>
+        <p:cNvPr id="1" name=""/>
+        <p:cNvGrpSpPr/>
+        <p:nvPr/>
+      </p:nvGrpSpPr>
+      <p:grpSpPr>
+        <a:xfrm>
+          <a:off x="0" y="0"/>
+          <a:ext cx="0" cy="0"/>
+          <a:chOff x="0" y="0"/>
+          <a:chExt cx="0" cy="0"/>
+        </a:xfrm>
+      </p:grpSpPr>
+      <p:pic>
+        <p:nvPicPr>
+          <p:cNvPr id="1026" name="Рисунок 1">
+            <a:extLst>
+              <a:ext uri="{FF2B5EF4-FFF2-40B4-BE49-F238E27FC236}">
+                <a16:creationId xmlns:a16="http://schemas.microsoft.com/office/drawing/2014/main" id="{FCD8FB63-0ACF-4AE4-BD09-D9C12D5E4AC6}"/>
+              </a:ext>
+            </a:extLst>
+          </p:cNvPr>
+          <p:cNvPicPr>
+            <a:picLocks noChangeAspect="1" noChangeArrowheads="1"/>
+          </p:cNvPicPr>
+          <p:nvPr/>
+        </p:nvPicPr>
+        <p:blipFill rotWithShape="1">
+          <a:blip r:embed="rId2">
+            <a:extLst>
+              <a:ext uri="{28A0092B-C50C-407E-A947-70E740481C1C}">
+                <a14:useLocalDpi xmlns:a14="http://schemas.microsoft.com/office/drawing/2010/main" val="0"/>
+              </a:ext>
+            </a:extLst>
+          </a:blip>
+          <a:srcRect t="4043"/>
+          <a:stretch/>
+        </p:blipFill>
+        <p:spPr bwMode="auto">
+          <a:xfrm>
+            <a:off x="58723" y="2824992"/>
+            <a:ext cx="5934075" cy="3390900"/>
+          </a:xfrm>
+          <a:prstGeom prst="rect">
+            <a:avLst/>
+          </a:prstGeom>
+          <a:noFill/>
+          <a:extLst>
+            <a:ext uri="{909E8E84-426E-40DD-AFC4-6F175D3DCCD1}">
+              <a14:hiddenFill xmlns:a14="http://schemas.microsoft.com/office/drawing/2010/main">
+                <a:solidFill>
+                  <a:srgbClr val="FFFFFF"/>
+                </a:solidFill>
+              </a14:hiddenFill>
+            </a:ext>
+          </a:extLst>
+        </p:spPr>
+      </p:pic>
+      <p:pic>
+        <p:nvPicPr>
+          <p:cNvPr id="1025" name="Рисунок 2">
+            <a:extLst>
+              <a:ext uri="{FF2B5EF4-FFF2-40B4-BE49-F238E27FC236}">
+                <a16:creationId xmlns:a16="http://schemas.microsoft.com/office/drawing/2014/main" id="{24FAD4B7-E8C7-4CEB-957F-DD47047FFFFB}"/>
+              </a:ext>
+            </a:extLst>
+          </p:cNvPr>
+          <p:cNvPicPr>
+            <a:picLocks noChangeAspect="1" noChangeArrowheads="1"/>
+          </p:cNvPicPr>
+          <p:nvPr/>
+        </p:nvPicPr>
+        <p:blipFill>
+          <a:blip r:embed="rId3">
+            <a:extLst>
+              <a:ext uri="{28A0092B-C50C-407E-A947-70E740481C1C}">
+                <a14:useLocalDpi xmlns:a14="http://schemas.microsoft.com/office/drawing/2010/main" val="0"/>
+              </a:ext>
+            </a:extLst>
+          </a:blip>
+          <a:srcRect/>
+          <a:stretch>
+            <a:fillRect/>
+          </a:stretch>
+        </p:blipFill>
+        <p:spPr bwMode="auto">
+          <a:xfrm>
+            <a:off x="6188147" y="2824992"/>
+            <a:ext cx="5934075" cy="3390900"/>
+          </a:xfrm>
+          <a:prstGeom prst="rect">
+            <a:avLst/>
+          </a:prstGeom>
+          <a:noFill/>
+          <a:extLst>
+            <a:ext uri="{909E8E84-426E-40DD-AFC4-6F175D3DCCD1}">
+              <a14:hiddenFill xmlns:a14="http://schemas.microsoft.com/office/drawing/2010/main">
+                <a:solidFill>
+                  <a:srgbClr val="FFFFFF"/>
+                </a:solidFill>
+              </a14:hiddenFill>
+            </a:ext>
+          </a:extLst>
+        </p:spPr>
+      </p:pic>
+      <p:sp>
+        <p:nvSpPr>
+          <p:cNvPr id="4" name="Rectangle 3">
+            <a:extLst>
+              <a:ext uri="{FF2B5EF4-FFF2-40B4-BE49-F238E27FC236}">
+                <a16:creationId xmlns:a16="http://schemas.microsoft.com/office/drawing/2014/main" id="{9447140D-66E1-4C4C-90EE-B44FB8DC1C63}"/>
+              </a:ext>
+            </a:extLst>
+          </p:cNvPr>
+          <p:cNvSpPr>
+            <a:spLocks noChangeArrowheads="1"/>
+          </p:cNvSpPr>
+          <p:nvPr/>
+        </p:nvSpPr>
+        <p:spPr bwMode="auto">
+          <a:xfrm>
+            <a:off x="2986481" y="-561975"/>
+            <a:ext cx="12192000" cy="457200"/>
+          </a:xfrm>
+          <a:prstGeom prst="rect">
+            <a:avLst/>
+          </a:prstGeom>
+          <a:noFill/>
+          <a:ln>
+            <a:noFill/>
+          </a:ln>
+          <a:effectLst/>
+          <a:extLst>
+            <a:ext uri="{909E8E84-426E-40DD-AFC4-6F175D3DCCD1}">
+              <a14:hiddenFill xmlns:a14="http://schemas.microsoft.com/office/drawing/2010/main">
+                <a:solidFill>
+                  <a:schemeClr val="accent1"/>
+                </a:solidFill>
+              </a14:hiddenFill>
+            </a:ext>
+            <a:ext uri="{91240B29-F687-4F45-9708-019B960494DF}">
+              <a14:hiddenLine xmlns:a14="http://schemas.microsoft.com/office/drawing/2010/main" w="9525">
+                <a:solidFill>
+                  <a:schemeClr val="tx1"/>
+                </a:solidFill>
+                <a:miter lim="800000"/>
+                <a:headEnd/>
+                <a:tailEnd/>
+              </a14:hiddenLine>
+            </a:ext>
+            <a:ext uri="{AF507438-7753-43E0-B8FC-AC1667EBCBE1}">
+              <a14:hiddenEffects xmlns:a14="http://schemas.microsoft.com/office/drawing/2010/main">
+                <a:effectLst>
+                  <a:outerShdw dist="35921" dir="2700000" algn="ctr" rotWithShape="0">
+                    <a:schemeClr val="bg2"/>
+                  </a:outerShdw>
+                </a:effectLst>
+              </a14:hiddenEffects>
+            </a:ext>
+          </a:extLst>
+        </p:spPr>
+        <p:txBody>
+          <a:bodyPr vert="horz" wrap="none" lIns="91440" tIns="45720" rIns="91440" bIns="45720" numCol="1" anchor="ctr" anchorCtr="0" compatLnSpc="1">
+            <a:prstTxWarp prst="textNoShape">
+              <a:avLst/>
+            </a:prstTxWarp>
+            <a:spAutoFit/>
+          </a:bodyPr>
+          <a:lstStyle/>
+          <a:p>
+            <a:endParaRPr lang="ru-RU"/>
+          </a:p>
+        </p:txBody>
+      </p:sp>
+      <p:sp>
+        <p:nvSpPr>
+          <p:cNvPr id="5" name="Rectangle 4">
+            <a:extLst>
+              <a:ext uri="{FF2B5EF4-FFF2-40B4-BE49-F238E27FC236}">
+                <a16:creationId xmlns:a16="http://schemas.microsoft.com/office/drawing/2014/main" id="{3236B4FE-259A-4270-B192-51A7141BF561}"/>
+              </a:ext>
+            </a:extLst>
+          </p:cNvPr>
+          <p:cNvSpPr>
+            <a:spLocks noChangeArrowheads="1"/>
+          </p:cNvSpPr>
+          <p:nvPr/>
+        </p:nvSpPr>
+        <p:spPr bwMode="auto">
+          <a:xfrm>
+            <a:off x="2986481" y="3429000"/>
+            <a:ext cx="12192000" cy="0"/>
+          </a:xfrm>
+          <a:prstGeom prst="rect">
+            <a:avLst/>
+          </a:prstGeom>
+          <a:noFill/>
+          <a:ln>
+            <a:noFill/>
+          </a:ln>
+          <a:effectLst/>
+          <a:extLst>
+            <a:ext uri="{909E8E84-426E-40DD-AFC4-6F175D3DCCD1}">
+              <a14:hiddenFill xmlns:a14="http://schemas.microsoft.com/office/drawing/2010/main">
+                <a:solidFill>
+                  <a:schemeClr val="accent1"/>
+                </a:solidFill>
+              </a14:hiddenFill>
+            </a:ext>
+            <a:ext uri="{91240B29-F687-4F45-9708-019B960494DF}">
+              <a14:hiddenLine xmlns:a14="http://schemas.microsoft.com/office/drawing/2010/main" w="9525">
+                <a:solidFill>
+                  <a:schemeClr val="tx1"/>
+                </a:solidFill>
+                <a:miter lim="800000"/>
+                <a:headEnd/>
+                <a:tailEnd/>
+              </a14:hiddenLine>
+            </a:ext>
+            <a:ext uri="{AF507438-7753-43E0-B8FC-AC1667EBCBE1}">
+              <a14:hiddenEffects xmlns:a14="http://schemas.microsoft.com/office/drawing/2010/main">
+                <a:effectLst>
+                  <a:outerShdw dist="35921" dir="2700000" algn="ctr" rotWithShape="0">
+                    <a:schemeClr val="bg2"/>
+                  </a:outerShdw>
+                </a:effectLst>
+              </a14:hiddenEffects>
+            </a:ext>
+          </a:extLst>
+        </p:spPr>
+        <p:txBody>
+          <a:bodyPr vert="horz" wrap="none" lIns="91440" tIns="45720" rIns="91440" bIns="45720" numCol="1" anchor="ctr" anchorCtr="0" compatLnSpc="1">
+            <a:prstTxWarp prst="textNoShape">
+              <a:avLst/>
+            </a:prstTxWarp>
+            <a:spAutoFit/>
+          </a:bodyPr>
+          <a:lstStyle/>
+          <a:p>
+            <a:endParaRPr lang="ru-RU"/>
+          </a:p>
+        </p:txBody>
+      </p:sp>
+      <p:sp>
+        <p:nvSpPr>
+          <p:cNvPr id="6" name="Rectangle 5">
+            <a:extLst>
+              <a:ext uri="{FF2B5EF4-FFF2-40B4-BE49-F238E27FC236}">
+                <a16:creationId xmlns:a16="http://schemas.microsoft.com/office/drawing/2014/main" id="{89C81F7B-98A6-46D1-A7D3-B28DCCA0B498}"/>
+              </a:ext>
+            </a:extLst>
+          </p:cNvPr>
+          <p:cNvSpPr>
+            <a:spLocks noChangeArrowheads="1"/>
+          </p:cNvSpPr>
+          <p:nvPr/>
+        </p:nvSpPr>
+        <p:spPr bwMode="auto">
+          <a:xfrm>
+            <a:off x="2986481" y="6819900"/>
+            <a:ext cx="12192000" cy="0"/>
+          </a:xfrm>
+          <a:prstGeom prst="rect">
+            <a:avLst/>
+          </a:prstGeom>
+          <a:noFill/>
+          <a:ln>
+            <a:noFill/>
+          </a:ln>
+          <a:effectLst/>
+          <a:extLst>
+            <a:ext uri="{909E8E84-426E-40DD-AFC4-6F175D3DCCD1}">
+              <a14:hiddenFill xmlns:a14="http://schemas.microsoft.com/office/drawing/2010/main">
+                <a:solidFill>
+                  <a:schemeClr val="accent1"/>
+                </a:solidFill>
+              </a14:hiddenFill>
+            </a:ext>
+            <a:ext uri="{91240B29-F687-4F45-9708-019B960494DF}">
+              <a14:hiddenLine xmlns:a14="http://schemas.microsoft.com/office/drawing/2010/main" w="9525">
+                <a:solidFill>
+                  <a:schemeClr val="tx1"/>
+                </a:solidFill>
+                <a:miter lim="800000"/>
+                <a:headEnd/>
+                <a:tailEnd/>
+              </a14:hiddenLine>
+            </a:ext>
+            <a:ext uri="{AF507438-7753-43E0-B8FC-AC1667EBCBE1}">
+              <a14:hiddenEffects xmlns:a14="http://schemas.microsoft.com/office/drawing/2010/main">
+                <a:effectLst>
+                  <a:outerShdw dist="35921" dir="2700000" algn="ctr" rotWithShape="0">
+                    <a:schemeClr val="bg2"/>
+                  </a:outerShdw>
+                </a:effectLst>
+              </a14:hiddenEffects>
+            </a:ext>
+          </a:extLst>
+        </p:spPr>
+        <p:txBody>
+          <a:bodyPr vert="horz" wrap="none" lIns="91440" tIns="45720" rIns="91440" bIns="45720" numCol="1" anchor="ctr" anchorCtr="0" compatLnSpc="1">
+            <a:prstTxWarp prst="textNoShape">
+              <a:avLst/>
+            </a:prstTxWarp>
+            <a:spAutoFit/>
+          </a:bodyPr>
+          <a:lstStyle/>
+          <a:p>
+            <a:endParaRPr lang="ru-RU"/>
+          </a:p>
+        </p:txBody>
+      </p:sp>
+      <p:sp>
+        <p:nvSpPr>
+          <p:cNvPr id="9" name="Объект 2">
+            <a:extLst>
+              <a:ext uri="{FF2B5EF4-FFF2-40B4-BE49-F238E27FC236}">
+                <a16:creationId xmlns:a16="http://schemas.microsoft.com/office/drawing/2014/main" id="{678CA85D-3C99-42B8-9385-7B5DBAC5DFE9}"/>
+              </a:ext>
+            </a:extLst>
+          </p:cNvPr>
+          <p:cNvSpPr>
+            <a:spLocks noGrp="1"/>
+          </p:cNvSpPr>
+          <p:nvPr>
+            <p:ph idx="1"/>
+          </p:nvPr>
+        </p:nvSpPr>
+        <p:spPr>
+          <a:xfrm>
+            <a:off x="1484310" y="33117"/>
+            <a:ext cx="10018713" cy="3124201"/>
+          </a:xfrm>
+        </p:spPr>
+        <p:txBody>
+          <a:bodyPr>
+            <a:normAutofit/>
+          </a:bodyPr>
+          <a:lstStyle/>
+          <a:p>
+            <a:pPr marL="0" indent="0">
+              <a:buNone/>
+            </a:pPr>
+            <a:r>
+              <a:rPr lang="en-US" sz="2000" dirty="0">
+                <a:latin typeface="Helvetica" panose="020B0604020202020204" pitchFamily="34" charset="0"/>
+                <a:cs typeface="Helvetica" panose="020B0604020202020204" pitchFamily="34" charset="0"/>
+              </a:rPr>
+              <a:t>Everything begins from understanding territory division of every city. Moscow divided in 12 Administrative Okrug and New York City divided in 5 Borough. After getting some information about every Administrative Okrug and Borough we can decide which areas we will use for comparison. There are districts and neighborhoods inside of each Administrative Okrug and Borough. </a:t>
+            </a:r>
+            <a:endParaRPr lang="ru-RU" sz="2000" dirty="0">
+              <a:latin typeface="Helvetica" panose="020B0604020202020204" pitchFamily="34" charset="0"/>
+              <a:cs typeface="Helvetica" panose="020B0604020202020204" pitchFamily="34" charset="0"/>
+            </a:endParaRPr>
+          </a:p>
+        </p:txBody>
+      </p:sp>
+    </p:spTree>
+    <p:extLst>
+      <p:ext uri="{BB962C8B-B14F-4D97-AF65-F5344CB8AC3E}">
+        <p14:creationId xmlns:p14="http://schemas.microsoft.com/office/powerpoint/2010/main" val="2169925002"/>
+      </p:ext>
+    </p:extLst>
+  </p:cSld>
+  <p:clrMapOvr>
+    <a:masterClrMapping/>
+  </p:clrMapOvr>
+</p:sld>
+</file>
+
+<file path=ppt/slides/slide5.xml><?xml version="1.0" encoding="utf-8"?>
+<p:sld xmlns:a="http://schemas.openxmlformats.org/drawingml/2006/main" xmlns:r="http://schemas.openxmlformats.org/officeDocument/2006/relationships" xmlns:p="http://schemas.openxmlformats.org/presentationml/2006/main">
+  <p:cSld>
+    <p:bg>
+      <p:bgPr>
+        <a:blipFill rotWithShape="1">
+          <a:blip r:embed="rId2">
+            <a:duotone>
+              <a:schemeClr val="bg2">
+                <a:shade val="76000"/>
+                <a:satMod val="180000"/>
+              </a:schemeClr>
+              <a:schemeClr val="bg2">
+                <a:tint val="80000"/>
+                <a:satMod val="120000"/>
+                <a:lumMod val="180000"/>
+              </a:schemeClr>
+            </a:duotone>
+          </a:blip>
+          <a:stretch/>
+        </a:blipFill>
+        <a:effectLst/>
+      </p:bgPr>
+    </p:bg>
+    <p:spTree>
+      <p:nvGrpSpPr>
+        <p:cNvPr id="1" name=""/>
+        <p:cNvGrpSpPr/>
+        <p:nvPr/>
+      </p:nvGrpSpPr>
+      <p:grpSpPr>
+        <a:xfrm>
+          <a:off x="0" y="0"/>
+          <a:ext cx="0" cy="0"/>
+          <a:chOff x="0" y="0"/>
+          <a:chExt cx="0" cy="0"/>
+        </a:xfrm>
+      </p:grpSpPr>
+      <p:sp>
+        <p:nvSpPr>
+          <p:cNvPr id="3" name="Объект 2">
+            <a:extLst>
+              <a:ext uri="{FF2B5EF4-FFF2-40B4-BE49-F238E27FC236}">
+                <a16:creationId xmlns:a16="http://schemas.microsoft.com/office/drawing/2014/main" id="{1B93F15E-0A73-455C-A785-F45403CE997B}"/>
+              </a:ext>
+            </a:extLst>
+          </p:cNvPr>
+          <p:cNvSpPr>
+            <a:spLocks noGrp="1"/>
+          </p:cNvSpPr>
+          <p:nvPr>
+            <p:ph idx="1"/>
+          </p:nvPr>
+        </p:nvSpPr>
+        <p:spPr>
+          <a:xfrm>
+            <a:off x="1484311" y="2666999"/>
+            <a:ext cx="3333496" cy="3124201"/>
+          </a:xfrm>
+        </p:spPr>
+        <p:txBody>
+          <a:bodyPr anchor="t">
+            <a:normAutofit/>
+          </a:bodyPr>
+          <a:lstStyle/>
+          <a:p>
+            <a:pPr marL="0" indent="0">
+              <a:buNone/>
+            </a:pPr>
+            <a:r>
+              <a:rPr lang="en-US" sz="1600"/>
+              <a:t>From Wikipedia data the most similar areas are </a:t>
+            </a:r>
+          </a:p>
+          <a:p>
+            <a:pPr marL="0" indent="0">
+              <a:buNone/>
+            </a:pPr>
+            <a:endParaRPr lang="ru-RU" sz="1600"/>
+          </a:p>
+        </p:txBody>
+      </p:sp>
+      <p:graphicFrame>
+        <p:nvGraphicFramePr>
+          <p:cNvPr id="6" name="Таблица 5">
+            <a:extLst>
+              <a:ext uri="{FF2B5EF4-FFF2-40B4-BE49-F238E27FC236}">
+                <a16:creationId xmlns:a16="http://schemas.microsoft.com/office/drawing/2014/main" id="{DA40C533-F4A9-4700-8437-8AD6CE86D998}"/>
+              </a:ext>
+            </a:extLst>
+          </p:cNvPr>
+          <p:cNvGraphicFramePr>
+            <a:graphicFrameLocks noGrp="1"/>
+          </p:cNvGraphicFramePr>
+          <p:nvPr>
+            <p:extLst>
+              <p:ext uri="{D42A27DB-BD31-4B8C-83A1-F6EECF244321}">
+                <p14:modId xmlns:p14="http://schemas.microsoft.com/office/powerpoint/2010/main" val="3057321334"/>
+              </p:ext>
+            </p:extLst>
+          </p:nvPr>
+        </p:nvGraphicFramePr>
+        <p:xfrm>
+          <a:off x="3443172" y="3918934"/>
+          <a:ext cx="6240996" cy="1409494"/>
+        </p:xfrm>
+        <a:graphic>
+          <a:graphicData uri="http://schemas.openxmlformats.org/drawingml/2006/table">
+            <a:tbl>
+              <a:tblPr firstRow="1" bandRow="1">
+                <a:tableStyleId>{5C22544A-7EE6-4342-B048-85BDC9FD1C3A}</a:tableStyleId>
+              </a:tblPr>
+              <a:tblGrid>
+                <a:gridCol w="645114">
+                  <a:extLst>
+                    <a:ext uri="{9D8B030D-6E8A-4147-A177-3AD203B41FA5}">
+                      <a16:colId xmlns:a16="http://schemas.microsoft.com/office/drawing/2014/main" val="1785379027"/>
+                    </a:ext>
+                  </a:extLst>
+                </a:gridCol>
+                <a:gridCol w="587119">
+                  <a:extLst>
+                    <a:ext uri="{9D8B030D-6E8A-4147-A177-3AD203B41FA5}">
+                      <a16:colId xmlns:a16="http://schemas.microsoft.com/office/drawing/2014/main" val="4242624356"/>
+                    </a:ext>
+                  </a:extLst>
+                </a:gridCol>
+                <a:gridCol w="546182">
+                  <a:extLst>
+                    <a:ext uri="{9D8B030D-6E8A-4147-A177-3AD203B41FA5}">
+                      <a16:colId xmlns:a16="http://schemas.microsoft.com/office/drawing/2014/main" val="2584368515"/>
+                    </a:ext>
+                  </a:extLst>
+                </a:gridCol>
+                <a:gridCol w="512066">
+                  <a:extLst>
+                    <a:ext uri="{9D8B030D-6E8A-4147-A177-3AD203B41FA5}">
+                      <a16:colId xmlns:a16="http://schemas.microsoft.com/office/drawing/2014/main" val="3338262962"/>
+                    </a:ext>
+                  </a:extLst>
+                </a:gridCol>
+                <a:gridCol w="839569">
+                  <a:extLst>
+                    <a:ext uri="{9D8B030D-6E8A-4147-A177-3AD203B41FA5}">
+                      <a16:colId xmlns:a16="http://schemas.microsoft.com/office/drawing/2014/main" val="3823807125"/>
+                    </a:ext>
+                  </a:extLst>
+                </a:gridCol>
+                <a:gridCol w="822512">
+                  <a:extLst>
+                    <a:ext uri="{9D8B030D-6E8A-4147-A177-3AD203B41FA5}">
+                      <a16:colId xmlns:a16="http://schemas.microsoft.com/office/drawing/2014/main" val="3040102926"/>
+                    </a:ext>
+                  </a:extLst>
+                </a:gridCol>
+                <a:gridCol w="822512">
+                  <a:extLst>
+                    <a:ext uri="{9D8B030D-6E8A-4147-A177-3AD203B41FA5}">
+                      <a16:colId xmlns:a16="http://schemas.microsoft.com/office/drawing/2014/main" val="793783797"/>
+                    </a:ext>
+                  </a:extLst>
+                </a:gridCol>
+                <a:gridCol w="754283">
+                  <a:extLst>
+                    <a:ext uri="{9D8B030D-6E8A-4147-A177-3AD203B41FA5}">
+                      <a16:colId xmlns:a16="http://schemas.microsoft.com/office/drawing/2014/main" val="3053202375"/>
+                    </a:ext>
+                  </a:extLst>
+                </a:gridCol>
+                <a:gridCol w="711639">
+                  <a:extLst>
+                    <a:ext uri="{9D8B030D-6E8A-4147-A177-3AD203B41FA5}">
+                      <a16:colId xmlns:a16="http://schemas.microsoft.com/office/drawing/2014/main" val="1221796133"/>
+                    </a:ext>
+                  </a:extLst>
+                </a:gridCol>
+              </a:tblGrid>
+              <a:tr h="589916">
+                <a:tc>
+                  <a:txBody>
+                    <a:bodyPr/>
+                    <a:lstStyle/>
+                    <a:p>
+                      <a:pPr algn="ctr" fontAlgn="ctr"/>
+                      <a:r>
+                        <a:rPr lang="en-US" sz="1200" u="none" strike="noStrike">
+                          <a:effectLst/>
+                        </a:rPr>
+                        <a:t>Name</a:t>
+                      </a:r>
+                      <a:endParaRPr lang="en-US" sz="1200" b="0" i="0" u="none" strike="noStrike">
+                        <a:solidFill>
+                          <a:srgbClr val="000000"/>
+                        </a:solidFill>
+                        <a:effectLst/>
+                        <a:latin typeface="Calibri" panose="020F0502020204030204" pitchFamily="34" charset="0"/>
+                      </a:endParaRPr>
+                    </a:p>
+                  </a:txBody>
+                  <a:tcPr marL="10234" marR="10234" marT="10234" marB="0" anchor="ctr"/>
+                </a:tc>
+                <a:tc>
+                  <a:txBody>
+                    <a:bodyPr/>
+                    <a:lstStyle/>
+                    <a:p>
+                      <a:pPr algn="ctr" fontAlgn="ctr"/>
+                      <a:r>
+                        <a:rPr lang="en-US" sz="1200" u="none" strike="noStrike">
+                          <a:effectLst/>
+                        </a:rPr>
+                        <a:t>Land area km²</a:t>
+                      </a:r>
+                      <a:endParaRPr lang="en-US" sz="1200" b="0" i="0" u="none" strike="noStrike">
+                        <a:solidFill>
+                          <a:srgbClr val="000000"/>
+                        </a:solidFill>
+                        <a:effectLst/>
+                        <a:latin typeface="Calibri" panose="020F0502020204030204" pitchFamily="34" charset="0"/>
+                      </a:endParaRPr>
+                    </a:p>
+                  </a:txBody>
+                  <a:tcPr marL="10234" marR="10234" marT="10234" marB="0" anchor="ctr"/>
+                </a:tc>
+                <a:tc>
+                  <a:txBody>
+                    <a:bodyPr/>
+                    <a:lstStyle/>
+                    <a:p>
+                      <a:pPr algn="ctr" fontAlgn="ctr"/>
+                      <a:r>
+                        <a:rPr lang="en-US" sz="1200" u="none" strike="noStrike">
+                          <a:effectLst/>
+                        </a:rPr>
+                        <a:t>% of all area</a:t>
+                      </a:r>
+                      <a:endParaRPr lang="en-US" sz="1200" b="0" i="0" u="none" strike="noStrike">
+                        <a:solidFill>
+                          <a:srgbClr val="000000"/>
+                        </a:solidFill>
+                        <a:effectLst/>
+                        <a:latin typeface="Calibri" panose="020F0502020204030204" pitchFamily="34" charset="0"/>
+                      </a:endParaRPr>
+                    </a:p>
+                  </a:txBody>
+                  <a:tcPr marL="10234" marR="10234" marT="10234" marB="0" anchor="ctr"/>
+                </a:tc>
+                <a:tc>
+                  <a:txBody>
+                    <a:bodyPr/>
+                    <a:lstStyle/>
+                    <a:p>
+                      <a:pPr algn="ctr" fontAlgn="ctr"/>
+                      <a:r>
+                        <a:rPr lang="en-US" sz="1200" u="none" strike="noStrike">
+                          <a:effectLst/>
+                        </a:rPr>
+                        <a:t>Place by area</a:t>
+                      </a:r>
+                      <a:endParaRPr lang="en-US" sz="1200" b="0" i="0" u="none" strike="noStrike">
+                        <a:solidFill>
+                          <a:srgbClr val="000000"/>
+                        </a:solidFill>
+                        <a:effectLst/>
+                        <a:latin typeface="Calibri" panose="020F0502020204030204" pitchFamily="34" charset="0"/>
+                      </a:endParaRPr>
+                    </a:p>
+                  </a:txBody>
+                  <a:tcPr marL="10234" marR="10234" marT="10234" marB="0" anchor="ctr"/>
+                </a:tc>
+                <a:tc>
+                  <a:txBody>
+                    <a:bodyPr/>
+                    <a:lstStyle/>
+                    <a:p>
+                      <a:pPr algn="ctr" fontAlgn="ctr"/>
+                      <a:r>
+                        <a:rPr lang="en-US" sz="1200" u="none" strike="noStrike">
+                          <a:effectLst/>
+                        </a:rPr>
+                        <a:t>Population</a:t>
+                      </a:r>
+                      <a:endParaRPr lang="en-US" sz="1200" b="0" i="0" u="none" strike="noStrike">
+                        <a:solidFill>
+                          <a:srgbClr val="000000"/>
+                        </a:solidFill>
+                        <a:effectLst/>
+                        <a:latin typeface="Calibri" panose="020F0502020204030204" pitchFamily="34" charset="0"/>
+                      </a:endParaRPr>
+                    </a:p>
+                  </a:txBody>
+                  <a:tcPr marL="10234" marR="10234" marT="10234" marB="0" anchor="ctr"/>
+                </a:tc>
+                <a:tc>
+                  <a:txBody>
+                    <a:bodyPr/>
+                    <a:lstStyle/>
+                    <a:p>
+                      <a:pPr algn="ctr" fontAlgn="ctr"/>
+                      <a:r>
+                        <a:rPr lang="en-US" sz="1200" u="none" strike="noStrike">
+                          <a:effectLst/>
+                        </a:rPr>
+                        <a:t>% of all population</a:t>
+                      </a:r>
+                      <a:endParaRPr lang="en-US" sz="1200" b="0" i="0" u="none" strike="noStrike">
+                        <a:solidFill>
+                          <a:srgbClr val="000000"/>
+                        </a:solidFill>
+                        <a:effectLst/>
+                        <a:latin typeface="Calibri" panose="020F0502020204030204" pitchFamily="34" charset="0"/>
+                      </a:endParaRPr>
+                    </a:p>
+                  </a:txBody>
+                  <a:tcPr marL="10234" marR="10234" marT="10234" marB="0" anchor="ctr"/>
+                </a:tc>
+                <a:tc>
+                  <a:txBody>
+                    <a:bodyPr/>
+                    <a:lstStyle/>
+                    <a:p>
+                      <a:pPr algn="ctr" fontAlgn="ctr"/>
+                      <a:r>
+                        <a:rPr lang="en-US" sz="1200" u="none" strike="noStrike">
+                          <a:effectLst/>
+                        </a:rPr>
+                        <a:t>Place by population</a:t>
+                      </a:r>
+                      <a:endParaRPr lang="en-US" sz="1200" b="0" i="0" u="none" strike="noStrike">
+                        <a:solidFill>
+                          <a:srgbClr val="000000"/>
+                        </a:solidFill>
+                        <a:effectLst/>
+                        <a:latin typeface="Calibri" panose="020F0502020204030204" pitchFamily="34" charset="0"/>
+                      </a:endParaRPr>
+                    </a:p>
+                  </a:txBody>
+                  <a:tcPr marL="10234" marR="10234" marT="10234" marB="0" anchor="ctr"/>
+                </a:tc>
+                <a:tc>
+                  <a:txBody>
+                    <a:bodyPr/>
+                    <a:lstStyle/>
+                    <a:p>
+                      <a:pPr algn="ctr" fontAlgn="ctr"/>
+                      <a:r>
+                        <a:rPr lang="en-US" sz="1200" u="none" strike="noStrike">
+                          <a:effectLst/>
+                        </a:rPr>
+                        <a:t>Density pers/km²</a:t>
+                      </a:r>
+                      <a:endParaRPr lang="en-US" sz="1200" b="0" i="0" u="none" strike="noStrike">
+                        <a:solidFill>
+                          <a:srgbClr val="000000"/>
+                        </a:solidFill>
+                        <a:effectLst/>
+                        <a:latin typeface="Calibri" panose="020F0502020204030204" pitchFamily="34" charset="0"/>
+                      </a:endParaRPr>
+                    </a:p>
+                  </a:txBody>
+                  <a:tcPr marL="10234" marR="10234" marT="10234" marB="0" anchor="ctr"/>
+                </a:tc>
+                <a:tc>
+                  <a:txBody>
+                    <a:bodyPr/>
+                    <a:lstStyle/>
+                    <a:p>
+                      <a:pPr algn="ctr" fontAlgn="ctr"/>
+                      <a:r>
+                        <a:rPr lang="en-US" sz="1200" u="none" strike="noStrike">
+                          <a:effectLst/>
+                        </a:rPr>
+                        <a:t>Place by density</a:t>
+                      </a:r>
+                      <a:endParaRPr lang="en-US" sz="1200" b="0" i="0" u="none" strike="noStrike">
+                        <a:solidFill>
+                          <a:srgbClr val="000000"/>
+                        </a:solidFill>
+                        <a:effectLst/>
+                        <a:latin typeface="Calibri" panose="020F0502020204030204" pitchFamily="34" charset="0"/>
+                      </a:endParaRPr>
+                    </a:p>
+                  </a:txBody>
+                  <a:tcPr marL="10234" marR="10234" marT="10234" marB="0" anchor="ctr"/>
+                </a:tc>
+                <a:extLst>
+                  <a:ext uri="{0D108BD9-81ED-4DB2-BD59-A6C34878D82A}">
+                    <a16:rowId xmlns:a16="http://schemas.microsoft.com/office/drawing/2014/main" val="1829249477"/>
+                  </a:ext>
+                </a:extLst>
+              </a:tr>
+              <a:tr h="409789">
+                <a:tc>
+                  <a:txBody>
+                    <a:bodyPr/>
+                    <a:lstStyle/>
+                    <a:p>
+                      <a:pPr algn="ctr" fontAlgn="ctr"/>
+                      <a:r>
+                        <a:rPr lang="en-US" sz="1200" u="none" strike="noStrike">
+                          <a:effectLst/>
+                        </a:rPr>
+                        <a:t>South-Eastern</a:t>
+                      </a:r>
+                      <a:endParaRPr lang="en-US" sz="1200" b="0" i="0" u="none" strike="noStrike">
+                        <a:solidFill>
+                          <a:srgbClr val="000000"/>
+                        </a:solidFill>
+                        <a:effectLst/>
+                        <a:latin typeface="Calibri" panose="020F0502020204030204" pitchFamily="34" charset="0"/>
+                      </a:endParaRPr>
+                    </a:p>
+                  </a:txBody>
+                  <a:tcPr marL="10234" marR="10234" marT="10234" marB="0" anchor="ctr"/>
+                </a:tc>
+                <a:tc>
+                  <a:txBody>
+                    <a:bodyPr/>
+                    <a:lstStyle/>
+                    <a:p>
+                      <a:pPr algn="ctr" fontAlgn="ctr"/>
+                      <a:r>
+                        <a:rPr lang="ru-RU" sz="1200" u="none" strike="noStrike">
+                          <a:effectLst/>
+                        </a:rPr>
+                        <a:t>117.56</a:t>
+                      </a:r>
+                      <a:endParaRPr lang="ru-RU" sz="1200" b="0" i="0" u="none" strike="noStrike">
+                        <a:solidFill>
+                          <a:srgbClr val="000000"/>
+                        </a:solidFill>
+                        <a:effectLst/>
+                        <a:latin typeface="Calibri" panose="020F0502020204030204" pitchFamily="34" charset="0"/>
+                      </a:endParaRPr>
+                    </a:p>
+                  </a:txBody>
+                  <a:tcPr marL="10234" marR="10234" marT="10234" marB="0" anchor="ctr"/>
+                </a:tc>
+                <a:tc>
+                  <a:txBody>
+                    <a:bodyPr/>
+                    <a:lstStyle/>
+                    <a:p>
+                      <a:pPr algn="ctr" fontAlgn="ctr"/>
+                      <a:r>
+                        <a:rPr lang="ru-RU" sz="1200" u="none" strike="noStrike">
+                          <a:effectLst/>
+                        </a:rPr>
+                        <a:t>23833</a:t>
+                      </a:r>
+                      <a:endParaRPr lang="ru-RU" sz="1200" b="0" i="0" u="none" strike="noStrike">
+                        <a:solidFill>
+                          <a:srgbClr val="000000"/>
+                        </a:solidFill>
+                        <a:effectLst/>
+                        <a:latin typeface="Calibri" panose="020F0502020204030204" pitchFamily="34" charset="0"/>
+                      </a:endParaRPr>
+                    </a:p>
+                  </a:txBody>
+                  <a:tcPr marL="10234" marR="10234" marT="10234" marB="0" anchor="ctr"/>
+                </a:tc>
+                <a:tc>
+                  <a:txBody>
+                    <a:bodyPr/>
+                    <a:lstStyle/>
+                    <a:p>
+                      <a:pPr algn="ctr" fontAlgn="ctr"/>
+                      <a:r>
+                        <a:rPr lang="ru-RU" sz="1200" u="none" strike="noStrike">
+                          <a:effectLst/>
+                        </a:rPr>
+                        <a:t>6</a:t>
+                      </a:r>
+                      <a:endParaRPr lang="ru-RU" sz="1200" b="0" i="0" u="none" strike="noStrike">
+                        <a:solidFill>
+                          <a:srgbClr val="000000"/>
+                        </a:solidFill>
+                        <a:effectLst/>
+                        <a:latin typeface="Calibri" panose="020F0502020204030204" pitchFamily="34" charset="0"/>
+                      </a:endParaRPr>
+                    </a:p>
+                  </a:txBody>
+                  <a:tcPr marL="10234" marR="10234" marT="10234" marB="0" anchor="ctr"/>
+                </a:tc>
+                <a:tc>
+                  <a:txBody>
+                    <a:bodyPr/>
+                    <a:lstStyle/>
+                    <a:p>
+                      <a:pPr algn="ctr" fontAlgn="ctr"/>
+                      <a:r>
+                        <a:rPr lang="ru-RU" sz="1200" u="none" strike="noStrike">
+                          <a:effectLst/>
+                        </a:rPr>
+                        <a:t>1433828</a:t>
+                      </a:r>
+                      <a:endParaRPr lang="ru-RU" sz="1200" b="0" i="0" u="none" strike="noStrike">
+                        <a:solidFill>
+                          <a:srgbClr val="000000"/>
+                        </a:solidFill>
+                        <a:effectLst/>
+                        <a:latin typeface="Calibri" panose="020F0502020204030204" pitchFamily="34" charset="0"/>
+                      </a:endParaRPr>
+                    </a:p>
+                  </a:txBody>
+                  <a:tcPr marL="10234" marR="10234" marT="10234" marB="0" anchor="ctr"/>
+                </a:tc>
+                <a:tc>
+                  <a:txBody>
+                    <a:bodyPr/>
+                    <a:lstStyle/>
+                    <a:p>
+                      <a:pPr algn="ctr" fontAlgn="ctr"/>
+                      <a:r>
+                        <a:rPr lang="ru-RU" sz="1200" u="none" strike="noStrike">
+                          <a:effectLst/>
+                        </a:rPr>
+                        <a:t>11628</a:t>
+                      </a:r>
+                      <a:endParaRPr lang="ru-RU" sz="1200" b="0" i="0" u="none" strike="noStrike">
+                        <a:solidFill>
+                          <a:srgbClr val="000000"/>
+                        </a:solidFill>
+                        <a:effectLst/>
+                        <a:latin typeface="Calibri" panose="020F0502020204030204" pitchFamily="34" charset="0"/>
+                      </a:endParaRPr>
+                    </a:p>
+                  </a:txBody>
+                  <a:tcPr marL="10234" marR="10234" marT="10234" marB="0" anchor="ctr"/>
+                </a:tc>
+                <a:tc>
+                  <a:txBody>
+                    <a:bodyPr/>
+                    <a:lstStyle/>
+                    <a:p>
+                      <a:pPr algn="ctr" fontAlgn="ctr"/>
+                      <a:r>
+                        <a:rPr lang="ru-RU" sz="1200" u="none" strike="noStrike">
+                          <a:effectLst/>
+                        </a:rPr>
+                        <a:t>5</a:t>
+                      </a:r>
+                      <a:endParaRPr lang="ru-RU" sz="1200" b="0" i="0" u="none" strike="noStrike">
+                        <a:solidFill>
+                          <a:srgbClr val="000000"/>
+                        </a:solidFill>
+                        <a:effectLst/>
+                        <a:latin typeface="Calibri" panose="020F0502020204030204" pitchFamily="34" charset="0"/>
+                      </a:endParaRPr>
+                    </a:p>
+                  </a:txBody>
+                  <a:tcPr marL="10234" marR="10234" marT="10234" marB="0" anchor="ctr"/>
+                </a:tc>
+                <a:tc>
+                  <a:txBody>
+                    <a:bodyPr/>
+                    <a:lstStyle/>
+                    <a:p>
+                      <a:pPr algn="ctr" fontAlgn="ctr"/>
+                      <a:r>
+                        <a:rPr lang="ru-RU" sz="1200" u="none" strike="noStrike">
+                          <a:effectLst/>
+                        </a:rPr>
+                        <a:t>12196.59</a:t>
+                      </a:r>
+                      <a:endParaRPr lang="ru-RU" sz="1200" b="0" i="0" u="none" strike="noStrike">
+                        <a:solidFill>
+                          <a:srgbClr val="000000"/>
+                        </a:solidFill>
+                        <a:effectLst/>
+                        <a:latin typeface="Calibri" panose="020F0502020204030204" pitchFamily="34" charset="0"/>
+                      </a:endParaRPr>
+                    </a:p>
+                  </a:txBody>
+                  <a:tcPr marL="10234" marR="10234" marT="10234" marB="0" anchor="ctr"/>
+                </a:tc>
+                <a:tc>
+                  <a:txBody>
+                    <a:bodyPr/>
+                    <a:lstStyle/>
+                    <a:p>
+                      <a:pPr algn="ctr" fontAlgn="ctr"/>
+                      <a:r>
+                        <a:rPr lang="ru-RU" sz="1200" u="none" strike="noStrike">
+                          <a:effectLst/>
+                        </a:rPr>
+                        <a:t>4</a:t>
+                      </a:r>
+                      <a:endParaRPr lang="ru-RU" sz="1200" b="0" i="0" u="none" strike="noStrike">
+                        <a:solidFill>
+                          <a:srgbClr val="000000"/>
+                        </a:solidFill>
+                        <a:effectLst/>
+                        <a:latin typeface="Calibri" panose="020F0502020204030204" pitchFamily="34" charset="0"/>
+                      </a:endParaRPr>
+                    </a:p>
+                  </a:txBody>
+                  <a:tcPr marL="10234" marR="10234" marT="10234" marB="0" anchor="ctr"/>
+                </a:tc>
+                <a:extLst>
+                  <a:ext uri="{0D108BD9-81ED-4DB2-BD59-A6C34878D82A}">
+                    <a16:rowId xmlns:a16="http://schemas.microsoft.com/office/drawing/2014/main" val="3130128884"/>
+                  </a:ext>
+                </a:extLst>
+              </a:tr>
+              <a:tr h="409789">
+                <a:tc>
+                  <a:txBody>
+                    <a:bodyPr/>
+                    <a:lstStyle/>
+                    <a:p>
+                      <a:pPr algn="ctr" fontAlgn="ctr"/>
+                      <a:r>
+                        <a:rPr lang="en-US" sz="1200" u="none" strike="noStrike">
+                          <a:effectLst/>
+                        </a:rPr>
+                        <a:t>The Bronx</a:t>
+                      </a:r>
+                      <a:endParaRPr lang="en-US" sz="1200" b="0" i="0" u="none" strike="noStrike">
+                        <a:solidFill>
+                          <a:srgbClr val="000000"/>
+                        </a:solidFill>
+                        <a:effectLst/>
+                        <a:latin typeface="Calibri" panose="020F0502020204030204" pitchFamily="34" charset="0"/>
+                      </a:endParaRPr>
+                    </a:p>
+                  </a:txBody>
+                  <a:tcPr marL="10234" marR="10234" marT="10234" marB="0" anchor="ctr"/>
+                </a:tc>
+                <a:tc>
+                  <a:txBody>
+                    <a:bodyPr/>
+                    <a:lstStyle/>
+                    <a:p>
+                      <a:pPr algn="ctr" fontAlgn="ctr"/>
+                      <a:r>
+                        <a:rPr lang="ru-RU" sz="1200" u="none" strike="noStrike">
+                          <a:effectLst/>
+                        </a:rPr>
+                        <a:t>109.04</a:t>
+                      </a:r>
+                      <a:endParaRPr lang="ru-RU" sz="1200" b="0" i="0" u="none" strike="noStrike">
+                        <a:solidFill>
+                          <a:srgbClr val="000000"/>
+                        </a:solidFill>
+                        <a:effectLst/>
+                        <a:latin typeface="Calibri" panose="020F0502020204030204" pitchFamily="34" charset="0"/>
+                      </a:endParaRPr>
+                    </a:p>
+                  </a:txBody>
+                  <a:tcPr marL="10234" marR="10234" marT="10234" marB="0" anchor="ctr"/>
+                </a:tc>
+                <a:tc>
+                  <a:txBody>
+                    <a:bodyPr/>
+                    <a:lstStyle/>
+                    <a:p>
+                      <a:pPr algn="ctr" fontAlgn="ctr"/>
+                      <a:r>
+                        <a:rPr lang="ru-RU" sz="1200" u="none" strike="noStrike">
+                          <a:effectLst/>
+                        </a:rPr>
+                        <a:t>13.91</a:t>
+                      </a:r>
+                      <a:endParaRPr lang="ru-RU" sz="1200" b="0" i="0" u="none" strike="noStrike">
+                        <a:solidFill>
+                          <a:srgbClr val="000000"/>
+                        </a:solidFill>
+                        <a:effectLst/>
+                        <a:latin typeface="Calibri" panose="020F0502020204030204" pitchFamily="34" charset="0"/>
+                      </a:endParaRPr>
+                    </a:p>
+                  </a:txBody>
+                  <a:tcPr marL="10234" marR="10234" marT="10234" marB="0" anchor="ctr"/>
+                </a:tc>
+                <a:tc>
+                  <a:txBody>
+                    <a:bodyPr/>
+                    <a:lstStyle/>
+                    <a:p>
+                      <a:pPr algn="ctr" fontAlgn="ctr"/>
+                      <a:r>
+                        <a:rPr lang="ru-RU" sz="1200" u="none" strike="noStrike">
+                          <a:effectLst/>
+                        </a:rPr>
+                        <a:t>4</a:t>
+                      </a:r>
+                      <a:endParaRPr lang="ru-RU" sz="1200" b="0" i="0" u="none" strike="noStrike">
+                        <a:solidFill>
+                          <a:srgbClr val="000000"/>
+                        </a:solidFill>
+                        <a:effectLst/>
+                        <a:latin typeface="Calibri" panose="020F0502020204030204" pitchFamily="34" charset="0"/>
+                      </a:endParaRPr>
+                    </a:p>
+                  </a:txBody>
+                  <a:tcPr marL="10234" marR="10234" marT="10234" marB="0" anchor="ctr"/>
+                </a:tc>
+                <a:tc>
+                  <a:txBody>
+                    <a:bodyPr/>
+                    <a:lstStyle/>
+                    <a:p>
+                      <a:pPr algn="ctr" fontAlgn="ctr"/>
+                      <a:r>
+                        <a:rPr lang="ru-RU" sz="1200" u="none" strike="noStrike">
+                          <a:effectLst/>
+                        </a:rPr>
+                        <a:t>1418207</a:t>
+                      </a:r>
+                      <a:endParaRPr lang="ru-RU" sz="1200" b="0" i="0" u="none" strike="noStrike">
+                        <a:solidFill>
+                          <a:srgbClr val="000000"/>
+                        </a:solidFill>
+                        <a:effectLst/>
+                        <a:latin typeface="Calibri" panose="020F0502020204030204" pitchFamily="34" charset="0"/>
+                      </a:endParaRPr>
+                    </a:p>
+                  </a:txBody>
+                  <a:tcPr marL="10234" marR="10234" marT="10234" marB="0" anchor="ctr"/>
+                </a:tc>
+                <a:tc>
+                  <a:txBody>
+                    <a:bodyPr/>
+                    <a:lstStyle/>
+                    <a:p>
+                      <a:pPr algn="ctr" fontAlgn="ctr"/>
+                      <a:r>
+                        <a:rPr lang="ru-RU" sz="1200" u="none" strike="noStrike" dirty="0">
+                          <a:effectLst/>
+                        </a:rPr>
+                        <a:t>43847</a:t>
+                      </a:r>
+                      <a:endParaRPr lang="ru-RU" sz="1200" b="0" i="0" u="none" strike="noStrike" dirty="0">
+                        <a:solidFill>
+                          <a:srgbClr val="000000"/>
+                        </a:solidFill>
+                        <a:effectLst/>
+                        <a:latin typeface="Calibri" panose="020F0502020204030204" pitchFamily="34" charset="0"/>
+                      </a:endParaRPr>
+                    </a:p>
+                  </a:txBody>
+                  <a:tcPr marL="10234" marR="10234" marT="10234" marB="0" anchor="ctr"/>
+                </a:tc>
+                <a:tc>
+                  <a:txBody>
+                    <a:bodyPr/>
+                    <a:lstStyle/>
+                    <a:p>
+                      <a:pPr algn="ctr" fontAlgn="ctr"/>
+                      <a:r>
+                        <a:rPr lang="ru-RU" sz="1200" u="none" strike="noStrike">
+                          <a:effectLst/>
+                        </a:rPr>
+                        <a:t>4</a:t>
+                      </a:r>
+                      <a:endParaRPr lang="ru-RU" sz="1200" b="0" i="0" u="none" strike="noStrike">
+                        <a:solidFill>
+                          <a:srgbClr val="000000"/>
+                        </a:solidFill>
+                        <a:effectLst/>
+                        <a:latin typeface="Calibri" panose="020F0502020204030204" pitchFamily="34" charset="0"/>
+                      </a:endParaRPr>
+                    </a:p>
+                  </a:txBody>
+                  <a:tcPr marL="10234" marR="10234" marT="10234" marB="0" anchor="ctr"/>
+                </a:tc>
+                <a:tc>
+                  <a:txBody>
+                    <a:bodyPr/>
+                    <a:lstStyle/>
+                    <a:p>
+                      <a:pPr algn="ctr" fontAlgn="ctr"/>
+                      <a:r>
+                        <a:rPr lang="ru-RU" sz="1200" u="none" strike="noStrike">
+                          <a:effectLst/>
+                        </a:rPr>
+                        <a:t>13006.00</a:t>
+                      </a:r>
+                      <a:endParaRPr lang="ru-RU" sz="1200" b="0" i="0" u="none" strike="noStrike">
+                        <a:solidFill>
+                          <a:srgbClr val="000000"/>
+                        </a:solidFill>
+                        <a:effectLst/>
+                        <a:latin typeface="Calibri" panose="020F0502020204030204" pitchFamily="34" charset="0"/>
+                      </a:endParaRPr>
+                    </a:p>
+                  </a:txBody>
+                  <a:tcPr marL="10234" marR="10234" marT="10234" marB="0" anchor="ctr"/>
+                </a:tc>
+                <a:tc>
+                  <a:txBody>
+                    <a:bodyPr/>
+                    <a:lstStyle/>
+                    <a:p>
+                      <a:pPr algn="ctr" fontAlgn="ctr"/>
+                      <a:r>
+                        <a:rPr lang="ru-RU" sz="1200" u="none" strike="noStrike" dirty="0">
+                          <a:effectLst/>
+                        </a:rPr>
+                        <a:t>3</a:t>
+                      </a:r>
+                      <a:endParaRPr lang="ru-RU" sz="1200" b="0" i="0" u="none" strike="noStrike" dirty="0">
+                        <a:solidFill>
+                          <a:srgbClr val="000000"/>
+                        </a:solidFill>
+                        <a:effectLst/>
+                        <a:latin typeface="Calibri" panose="020F0502020204030204" pitchFamily="34" charset="0"/>
+                      </a:endParaRPr>
+                    </a:p>
+                  </a:txBody>
+                  <a:tcPr marL="10234" marR="10234" marT="10234" marB="0" anchor="ctr"/>
+                </a:tc>
+                <a:extLst>
+                  <a:ext uri="{0D108BD9-81ED-4DB2-BD59-A6C34878D82A}">
+                    <a16:rowId xmlns:a16="http://schemas.microsoft.com/office/drawing/2014/main" val="3384767676"/>
+                  </a:ext>
+                </a:extLst>
+              </a:tr>
+            </a:tbl>
+          </a:graphicData>
+        </a:graphic>
+      </p:graphicFrame>
+    </p:spTree>
+    <p:extLst>
+      <p:ext uri="{BB962C8B-B14F-4D97-AF65-F5344CB8AC3E}">
+        <p14:creationId xmlns:p14="http://schemas.microsoft.com/office/powerpoint/2010/main" val="2960935857"/>
       </p:ext>
     </p:extLst>
   </p:cSld>
